--- a/Lecture Notes-Slides/Lecture 1 - Introduction.pptx
+++ b/Lecture Notes-Slides/Lecture 1 - Introduction.pptx
@@ -217,7 +217,7 @@
           <a:p>
             <a:fld id="{E92C70A5-86D6-E844-8123-07D01D41B493}" type="datetimeFigureOut">
               <a:rPr lang="en-US" smtClean="0"/>
-              <a:t>6/12/16</a:t>
+              <a:t>6/13/16</a:t>
             </a:fld>
             <a:endParaRPr lang="en-US"/>
           </a:p>
@@ -1139,7 +1139,7 @@
           <a:p>
             <a:fld id="{077FC83F-9D81-C04D-93D2-3F965D8EA6A8}" type="datetimeFigureOut">
               <a:rPr lang="en-US" smtClean="0"/>
-              <a:t>6/12/16</a:t>
+              <a:t>6/13/16</a:t>
             </a:fld>
             <a:endParaRPr lang="en-US"/>
           </a:p>
@@ -1304,7 +1304,7 @@
           <a:p>
             <a:fld id="{077FC83F-9D81-C04D-93D2-3F965D8EA6A8}" type="datetimeFigureOut">
               <a:rPr lang="en-US" smtClean="0"/>
-              <a:t>6/12/16</a:t>
+              <a:t>6/13/16</a:t>
             </a:fld>
             <a:endParaRPr lang="en-US"/>
           </a:p>
@@ -1479,7 +1479,7 @@
           <a:p>
             <a:fld id="{077FC83F-9D81-C04D-93D2-3F965D8EA6A8}" type="datetimeFigureOut">
               <a:rPr lang="en-US" smtClean="0"/>
-              <a:t>6/12/16</a:t>
+              <a:t>6/13/16</a:t>
             </a:fld>
             <a:endParaRPr lang="en-US"/>
           </a:p>
@@ -2032,7 +2032,7 @@
           <a:p>
             <a:fld id="{077FC83F-9D81-C04D-93D2-3F965D8EA6A8}" type="datetimeFigureOut">
               <a:rPr lang="en-US" smtClean="0"/>
-              <a:t>6/12/16</a:t>
+              <a:t>6/13/16</a:t>
             </a:fld>
             <a:endParaRPr lang="en-US"/>
           </a:p>
@@ -2273,7 +2273,7 @@
           <a:p>
             <a:fld id="{077FC83F-9D81-C04D-93D2-3F965D8EA6A8}" type="datetimeFigureOut">
               <a:rPr lang="en-US" smtClean="0"/>
-              <a:t>6/12/16</a:t>
+              <a:t>6/13/16</a:t>
             </a:fld>
             <a:endParaRPr lang="en-US"/>
           </a:p>
@@ -2556,7 +2556,7 @@
           <a:p>
             <a:fld id="{077FC83F-9D81-C04D-93D2-3F965D8EA6A8}" type="datetimeFigureOut">
               <a:rPr lang="en-US" smtClean="0"/>
-              <a:t>6/12/16</a:t>
+              <a:t>6/13/16</a:t>
             </a:fld>
             <a:endParaRPr lang="en-US"/>
           </a:p>
@@ -2985,7 +2985,7 @@
           <a:p>
             <a:fld id="{077FC83F-9D81-C04D-93D2-3F965D8EA6A8}" type="datetimeFigureOut">
               <a:rPr lang="en-US" smtClean="0"/>
-              <a:t>6/12/16</a:t>
+              <a:t>6/13/16</a:t>
             </a:fld>
             <a:endParaRPr lang="en-US"/>
           </a:p>
@@ -3098,7 +3098,7 @@
           <a:p>
             <a:fld id="{077FC83F-9D81-C04D-93D2-3F965D8EA6A8}" type="datetimeFigureOut">
               <a:rPr lang="en-US" smtClean="0"/>
-              <a:t>6/12/16</a:t>
+              <a:t>6/13/16</a:t>
             </a:fld>
             <a:endParaRPr lang="en-US"/>
           </a:p>
@@ -3188,7 +3188,7 @@
           <a:p>
             <a:fld id="{077FC83F-9D81-C04D-93D2-3F965D8EA6A8}" type="datetimeFigureOut">
               <a:rPr lang="en-US" smtClean="0"/>
-              <a:t>6/12/16</a:t>
+              <a:t>6/13/16</a:t>
             </a:fld>
             <a:endParaRPr lang="en-US"/>
           </a:p>
@@ -3377,7 +3377,7 @@
           <a:p>
             <a:fld id="{077FC83F-9D81-C04D-93D2-3F965D8EA6A8}" type="datetimeFigureOut">
               <a:rPr lang="en-US" smtClean="0"/>
-              <a:t>6/12/16</a:t>
+              <a:t>6/13/16</a:t>
             </a:fld>
             <a:endParaRPr lang="en-US"/>
           </a:p>
@@ -3695,7 +3695,7 @@
           <a:p>
             <a:fld id="{077FC83F-9D81-C04D-93D2-3F965D8EA6A8}" type="datetimeFigureOut">
               <a:rPr lang="en-US" smtClean="0"/>
-              <a:t>6/12/16</a:t>
+              <a:t>6/13/16</a:t>
             </a:fld>
             <a:endParaRPr lang="en-US"/>
           </a:p>
@@ -4074,7 +4074,7 @@
           <a:p>
             <a:fld id="{077FC83F-9D81-C04D-93D2-3F965D8EA6A8}" type="datetimeFigureOut">
               <a:rPr lang="en-US" smtClean="0"/>
-              <a:t>6/12/16</a:t>
+              <a:t>6/13/16</a:t>
             </a:fld>
             <a:endParaRPr lang="en-US"/>
           </a:p>
@@ -7359,7 +7359,31 @@
                 </a:solidFill>
                 <a:latin typeface="Times New Roman" pitchFamily="18" charset="0"/>
               </a:rPr>
-              <a:t>we may might </a:t>
+              <a:t>we </a:t>
+            </a:r>
+            <a:r>
+              <a:rPr lang="en-GB" altLang="en-US" sz="2400" smtClean="0">
+                <a:solidFill>
+                  <a:schemeClr val="tx1">
+                    <a:lumMod val="50000"/>
+                    <a:lumOff val="50000"/>
+                  </a:schemeClr>
+                </a:solidFill>
+                <a:latin typeface="Times New Roman" pitchFamily="18" charset="0"/>
+              </a:rPr>
+              <a:t>may </a:t>
+            </a:r>
+            <a:r>
+              <a:rPr lang="en-GB" altLang="en-US" sz="2400" smtClean="0">
+                <a:solidFill>
+                  <a:schemeClr val="tx1">
+                    <a:lumMod val="50000"/>
+                    <a:lumOff val="50000"/>
+                  </a:schemeClr>
+                </a:solidFill>
+                <a:latin typeface="Times New Roman" pitchFamily="18" charset="0"/>
+              </a:rPr>
+              <a:t>use </a:t>
             </a:r>
             <a:r>
               <a:rPr lang="en-GB" altLang="en-US" sz="2400" dirty="0">
@@ -7371,7 +7395,7 @@
                 </a:solidFill>
                 <a:latin typeface="Times New Roman" pitchFamily="18" charset="0"/>
               </a:rPr>
-              <a:t>use for analysis:</a:t>
+              <a:t>for analysis:</a:t>
             </a:r>
           </a:p>
           <a:p>
@@ -12360,7 +12384,7 @@
         </p:blipFill>
         <p:spPr>
           <a:xfrm>
-            <a:off x="4226606" y="9825"/>
+            <a:off x="4373145" y="136824"/>
             <a:ext cx="4114678" cy="7457528"/>
           </a:xfrm>
           <a:prstGeom prst="rect">
